--- a/COM_MScBioinformatics_2020_Session1.pptx
+++ b/COM_MScBioinformatics_2020_Session1.pptx
@@ -6882,7 +6882,7 @@
                     <m:sSub>
                       <m:e>
                         <m:r>
-                          <m:t>z</m:t>
+                          <m:t>X</m:t>
                         </m:r>
                       </m:e>
                       <m:sub>
@@ -16679,7 +16679,7 @@
               <a:rPr sz="1800">
                 <a:latin typeface="Courier"/>
               </a:rPr>
-              <a:t>## [1] 4795</a:t>
+              <a:t>## [1] 4790</a:t>
             </a:r>
           </a:p>
         </p:txBody>
@@ -34319,7 +34319,7 @@
                   <a:rPr sz="1800">
                     <a:latin typeface="Courier"/>
                   </a:rPr>
-                  <a:t>## [1] 5 9 4 4 8</a:t>
+                  <a:t>## [1] 2 5 4 5 5</a:t>
                 </a:r>
               </a:p>
             </p:txBody>
@@ -49811,7 +49811,7 @@
                 </a:pPr>
                 <a:r>
                   <a:rPr/>
-                  <a:t>The exponential distribution arises as a sum of independent exponentially distributed random variables.</a:t>
+                  <a:t>The gamma distribution arises as a sum of independent exponentially distributed random variables.</a:t>
                 </a:r>
               </a:p>
               <a:p>
